--- a/Diagnostics/local/Figures/paper_figures/Fig2.pptx
+++ b/Diagnostics/local/Figures/paper_figures/Fig2.pptx
@@ -197,7 +197,7 @@
           <a:p>
             <a:fld id="{556A5888-B09A-4C42-A5B1-6FA7AFFAF39F}" type="datetimeFigureOut">
               <a:rPr lang="en-US" smtClean="0"/>
-              <a:t>4/13/2023</a:t>
+              <a:t>6/15/23</a:t>
             </a:fld>
             <a:endParaRPr lang="en-US"/>
           </a:p>
@@ -595,7 +595,7 @@
           <a:p>
             <a:fld id="{43DA9A97-6A4D-4190-82F3-1342E7FB8B4E}" type="datetimeFigureOut">
               <a:rPr lang="en-US" smtClean="0"/>
-              <a:t>4/13/2023</a:t>
+              <a:t>6/15/23</a:t>
             </a:fld>
             <a:endParaRPr lang="en-US"/>
           </a:p>
@@ -765,7 +765,7 @@
           <a:p>
             <a:fld id="{43DA9A97-6A4D-4190-82F3-1342E7FB8B4E}" type="datetimeFigureOut">
               <a:rPr lang="en-US" smtClean="0"/>
-              <a:t>4/13/2023</a:t>
+              <a:t>6/15/23</a:t>
             </a:fld>
             <a:endParaRPr lang="en-US"/>
           </a:p>
@@ -945,7 +945,7 @@
           <a:p>
             <a:fld id="{43DA9A97-6A4D-4190-82F3-1342E7FB8B4E}" type="datetimeFigureOut">
               <a:rPr lang="en-US" smtClean="0"/>
-              <a:t>4/13/2023</a:t>
+              <a:t>6/15/23</a:t>
             </a:fld>
             <a:endParaRPr lang="en-US"/>
           </a:p>
@@ -1115,7 +1115,7 @@
           <a:p>
             <a:fld id="{43DA9A97-6A4D-4190-82F3-1342E7FB8B4E}" type="datetimeFigureOut">
               <a:rPr lang="en-US" smtClean="0"/>
-              <a:t>4/13/2023</a:t>
+              <a:t>6/15/23</a:t>
             </a:fld>
             <a:endParaRPr lang="en-US"/>
           </a:p>
@@ -1361,7 +1361,7 @@
           <a:p>
             <a:fld id="{43DA9A97-6A4D-4190-82F3-1342E7FB8B4E}" type="datetimeFigureOut">
               <a:rPr lang="en-US" smtClean="0"/>
-              <a:t>4/13/2023</a:t>
+              <a:t>6/15/23</a:t>
             </a:fld>
             <a:endParaRPr lang="en-US"/>
           </a:p>
@@ -1593,7 +1593,7 @@
           <a:p>
             <a:fld id="{43DA9A97-6A4D-4190-82F3-1342E7FB8B4E}" type="datetimeFigureOut">
               <a:rPr lang="en-US" smtClean="0"/>
-              <a:t>4/13/2023</a:t>
+              <a:t>6/15/23</a:t>
             </a:fld>
             <a:endParaRPr lang="en-US"/>
           </a:p>
@@ -1960,7 +1960,7 @@
           <a:p>
             <a:fld id="{43DA9A97-6A4D-4190-82F3-1342E7FB8B4E}" type="datetimeFigureOut">
               <a:rPr lang="en-US" smtClean="0"/>
-              <a:t>4/13/2023</a:t>
+              <a:t>6/15/23</a:t>
             </a:fld>
             <a:endParaRPr lang="en-US"/>
           </a:p>
@@ -2078,7 +2078,7 @@
           <a:p>
             <a:fld id="{43DA9A97-6A4D-4190-82F3-1342E7FB8B4E}" type="datetimeFigureOut">
               <a:rPr lang="en-US" smtClean="0"/>
-              <a:t>4/13/2023</a:t>
+              <a:t>6/15/23</a:t>
             </a:fld>
             <a:endParaRPr lang="en-US"/>
           </a:p>
@@ -2173,7 +2173,7 @@
           <a:p>
             <a:fld id="{43DA9A97-6A4D-4190-82F3-1342E7FB8B4E}" type="datetimeFigureOut">
               <a:rPr lang="en-US" smtClean="0"/>
-              <a:t>4/13/2023</a:t>
+              <a:t>6/15/23</a:t>
             </a:fld>
             <a:endParaRPr lang="en-US"/>
           </a:p>
@@ -2450,7 +2450,7 @@
           <a:p>
             <a:fld id="{43DA9A97-6A4D-4190-82F3-1342E7FB8B4E}" type="datetimeFigureOut">
               <a:rPr lang="en-US" smtClean="0"/>
-              <a:t>4/13/2023</a:t>
+              <a:t>6/15/23</a:t>
             </a:fld>
             <a:endParaRPr lang="en-US"/>
           </a:p>
@@ -2707,7 +2707,7 @@
           <a:p>
             <a:fld id="{43DA9A97-6A4D-4190-82F3-1342E7FB8B4E}" type="datetimeFigureOut">
               <a:rPr lang="en-US" smtClean="0"/>
-              <a:t>4/13/2023</a:t>
+              <a:t>6/15/23</a:t>
             </a:fld>
             <a:endParaRPr lang="en-US"/>
           </a:p>
@@ -2920,7 +2920,7 @@
           <a:p>
             <a:fld id="{43DA9A97-6A4D-4190-82F3-1342E7FB8B4E}" type="datetimeFigureOut">
               <a:rPr lang="en-US" smtClean="0"/>
-              <a:t>4/13/2023</a:t>
+              <a:t>6/15/23</a:t>
             </a:fld>
             <a:endParaRPr lang="en-US"/>
           </a:p>
@@ -3327,10 +3327,10 @@
       </p:grpSpPr>
       <p:pic>
         <p:nvPicPr>
-          <p:cNvPr id="5" name="Picture 4">
+          <p:cNvPr id="3" name="Picture 2" descr="A picture containing text, plot, line, diagram&#10;&#10;Description automatically generated">
             <a:extLst>
               <a:ext uri="{FF2B5EF4-FFF2-40B4-BE49-F238E27FC236}">
-                <a16:creationId xmlns:a16="http://schemas.microsoft.com/office/drawing/2014/main" id="{8995B218-4C04-4119-AF5C-0A2F4E5DD90F}"/>
+                <a16:creationId xmlns:a16="http://schemas.microsoft.com/office/drawing/2014/main" id="{2AB1FC1A-0D63-C980-C49D-31AEA25F4B78}"/>
               </a:ext>
             </a:extLst>
           </p:cNvPr>
@@ -3347,25 +3347,60 @@
               </a:ext>
             </a:extLst>
           </a:blip>
-          <a:srcRect l="4210" t="11130" r="6480" b="725"/>
+          <a:srcRect l="3050" t="10309" r="4185" b="-1277"/>
           <a:stretch/>
         </p:blipFill>
         <p:spPr>
           <a:xfrm>
-            <a:off x="81948" y="110975"/>
-            <a:ext cx="8534400" cy="5264450"/>
+            <a:off x="5087" y="7144"/>
+            <a:ext cx="8923283" cy="5469026"/>
           </a:xfrm>
           <a:prstGeom prst="rect">
             <a:avLst/>
           </a:prstGeom>
         </p:spPr>
       </p:pic>
+      <p:sp>
+        <p:nvSpPr>
+          <p:cNvPr id="8" name="TextBox 7">
+            <a:extLst>
+              <a:ext uri="{FF2B5EF4-FFF2-40B4-BE49-F238E27FC236}">
+                <a16:creationId xmlns:a16="http://schemas.microsoft.com/office/drawing/2014/main" id="{E92B84F0-17B1-456A-94E5-77407AEE023D}"/>
+              </a:ext>
+            </a:extLst>
+          </p:cNvPr>
+          <p:cNvSpPr txBox="1"/>
+          <p:nvPr/>
+        </p:nvSpPr>
+        <p:spPr>
+          <a:xfrm>
+            <a:off x="889294" y="75690"/>
+            <a:ext cx="631904" cy="584775"/>
+          </a:xfrm>
+          <a:prstGeom prst="rect">
+            <a:avLst/>
+          </a:prstGeom>
+          <a:noFill/>
+        </p:spPr>
+        <p:txBody>
+          <a:bodyPr wrap="none" rtlCol="0">
+            <a:spAutoFit/>
+          </a:bodyPr>
+          <a:lstStyle/>
+          <a:p>
+            <a:r>
+              <a:rPr lang="en-US" sz="3200" dirty="0"/>
+              <a:t>(a)</a:t>
+            </a:r>
+          </a:p>
+        </p:txBody>
+      </p:sp>
       <p:pic>
         <p:nvPicPr>
-          <p:cNvPr id="7" name="Picture 6">
+          <p:cNvPr id="11" name="Picture 10" descr="A picture containing text, diagram, line, plot&#10;&#10;Description automatically generated">
             <a:extLst>
               <a:ext uri="{FF2B5EF4-FFF2-40B4-BE49-F238E27FC236}">
-                <a16:creationId xmlns:a16="http://schemas.microsoft.com/office/drawing/2014/main" id="{38195091-6C96-4F98-AFE9-1D0B154B5DC0}"/>
+                <a16:creationId xmlns:a16="http://schemas.microsoft.com/office/drawing/2014/main" id="{BD5704F4-EDB3-4FFD-D715-F97EBAB10E56}"/>
               </a:ext>
             </a:extLst>
           </p:cNvPr>
@@ -3382,54 +3417,19 @@
               </a:ext>
             </a:extLst>
           </a:blip>
-          <a:srcRect l="1924" t="7986" r="6730" b="521"/>
+          <a:srcRect t="8212" r="6061" b="-484"/>
           <a:stretch/>
         </p:blipFill>
         <p:spPr>
           <a:xfrm>
-            <a:off x="8616348" y="35209"/>
-            <a:ext cx="5895974" cy="5451191"/>
+            <a:off x="8714059" y="39970"/>
+            <a:ext cx="5787759" cy="5414286"/>
           </a:xfrm>
           <a:prstGeom prst="rect">
             <a:avLst/>
           </a:prstGeom>
         </p:spPr>
       </p:pic>
-      <p:sp>
-        <p:nvSpPr>
-          <p:cNvPr id="8" name="TextBox 7">
-            <a:extLst>
-              <a:ext uri="{FF2B5EF4-FFF2-40B4-BE49-F238E27FC236}">
-                <a16:creationId xmlns:a16="http://schemas.microsoft.com/office/drawing/2014/main" id="{E92B84F0-17B1-456A-94E5-77407AEE023D}"/>
-              </a:ext>
-            </a:extLst>
-          </p:cNvPr>
-          <p:cNvSpPr txBox="1"/>
-          <p:nvPr/>
-        </p:nvSpPr>
-        <p:spPr>
-          <a:xfrm>
-            <a:off x="853574" y="82834"/>
-            <a:ext cx="631904" cy="584775"/>
-          </a:xfrm>
-          <a:prstGeom prst="rect">
-            <a:avLst/>
-          </a:prstGeom>
-          <a:noFill/>
-        </p:spPr>
-        <p:txBody>
-          <a:bodyPr wrap="none" rtlCol="0">
-            <a:spAutoFit/>
-          </a:bodyPr>
-          <a:lstStyle/>
-          <a:p>
-            <a:r>
-              <a:rPr lang="en-US" sz="3200" dirty="0"/>
-              <a:t>(a)</a:t>
-            </a:r>
-          </a:p>
-        </p:txBody>
-      </p:sp>
       <p:sp>
         <p:nvSpPr>
           <p:cNvPr id="9" name="TextBox 8">
@@ -3444,7 +3444,7 @@
         </p:nvSpPr>
         <p:spPr>
           <a:xfrm>
-            <a:off x="9349874" y="230352"/>
+            <a:off x="9528470" y="230352"/>
             <a:ext cx="651140" cy="584775"/>
           </a:xfrm>
           <a:prstGeom prst="rect">

--- a/Diagnostics/local/Figures/paper_figures/Fig2.pptx
+++ b/Diagnostics/local/Figures/paper_figures/Fig2.pptx
@@ -197,7 +197,7 @@
           <a:p>
             <a:fld id="{556A5888-B09A-4C42-A5B1-6FA7AFFAF39F}" type="datetimeFigureOut">
               <a:rPr lang="en-US" smtClean="0"/>
-              <a:t>6/15/23</a:t>
+              <a:t>6/23/23</a:t>
             </a:fld>
             <a:endParaRPr lang="en-US"/>
           </a:p>
@@ -464,6 +464,90 @@
 </p:notesMaster>
 </file>
 
+<file path=ppt/notesSlides/notesSlide1.xml><?xml version="1.0" encoding="utf-8"?>
+<p:notes xmlns:a="http://schemas.openxmlformats.org/drawingml/2006/main" xmlns:r="http://schemas.openxmlformats.org/officeDocument/2006/relationships" xmlns:p="http://schemas.openxmlformats.org/presentationml/2006/main">
+  <p:cSld>
+    <p:spTree>
+      <p:nvGrpSpPr>
+        <p:cNvPr id="1" name=""/>
+        <p:cNvGrpSpPr/>
+        <p:nvPr/>
+      </p:nvGrpSpPr>
+      <p:grpSpPr>
+        <a:xfrm>
+          <a:off x="0" y="0"/>
+          <a:ext cx="0" cy="0"/>
+          <a:chOff x="0" y="0"/>
+          <a:chExt cx="0" cy="0"/>
+        </a:xfrm>
+      </p:grpSpPr>
+      <p:sp>
+        <p:nvSpPr>
+          <p:cNvPr id="2" name="Slide Image Placeholder 1"/>
+          <p:cNvSpPr>
+            <a:spLocks noGrp="1" noRot="1" noChangeAspect="1"/>
+          </p:cNvSpPr>
+          <p:nvPr>
+            <p:ph type="sldImg"/>
+          </p:nvPr>
+        </p:nvSpPr>
+        <p:spPr/>
+      </p:sp>
+      <p:sp>
+        <p:nvSpPr>
+          <p:cNvPr id="3" name="Notes Placeholder 2"/>
+          <p:cNvSpPr>
+            <a:spLocks noGrp="1"/>
+          </p:cNvSpPr>
+          <p:nvPr>
+            <p:ph type="body" idx="1"/>
+          </p:nvPr>
+        </p:nvSpPr>
+        <p:spPr/>
+        <p:txBody>
+          <a:bodyPr/>
+          <a:lstStyle/>
+          <a:p>
+            <a:endParaRPr lang="en-US" dirty="0"/>
+          </a:p>
+        </p:txBody>
+      </p:sp>
+      <p:sp>
+        <p:nvSpPr>
+          <p:cNvPr id="4" name="Slide Number Placeholder 3"/>
+          <p:cNvSpPr>
+            <a:spLocks noGrp="1"/>
+          </p:cNvSpPr>
+          <p:nvPr>
+            <p:ph type="sldNum" sz="quarter" idx="5"/>
+          </p:nvPr>
+        </p:nvSpPr>
+        <p:spPr/>
+        <p:txBody>
+          <a:bodyPr/>
+          <a:lstStyle/>
+          <a:p>
+            <a:fld id="{4A7DE88A-3BA3-43A8-9675-0FF39A634C77}" type="slidenum">
+              <a:rPr lang="en-US" smtClean="0"/>
+              <a:t>1</a:t>
+            </a:fld>
+            <a:endParaRPr lang="en-US"/>
+          </a:p>
+        </p:txBody>
+      </p:sp>
+    </p:spTree>
+    <p:extLst>
+      <p:ext uri="{BB962C8B-B14F-4D97-AF65-F5344CB8AC3E}">
+        <p14:creationId xmlns:p14="http://schemas.microsoft.com/office/powerpoint/2010/main" val="2034690920"/>
+      </p:ext>
+    </p:extLst>
+  </p:cSld>
+  <p:clrMapOvr>
+    <a:masterClrMapping/>
+  </p:clrMapOvr>
+</p:notes>
+</file>
+
 <file path=ppt/slideLayouts/slideLayout1.xml><?xml version="1.0" encoding="utf-8"?>
 <p:sldLayout xmlns:a="http://schemas.openxmlformats.org/drawingml/2006/main" xmlns:r="http://schemas.openxmlformats.org/officeDocument/2006/relationships" xmlns:p="http://schemas.openxmlformats.org/presentationml/2006/main" type="title" preserve="1">
   <p:cSld name="Title Slide">
@@ -595,7 +679,7 @@
           <a:p>
             <a:fld id="{43DA9A97-6A4D-4190-82F3-1342E7FB8B4E}" type="datetimeFigureOut">
               <a:rPr lang="en-US" smtClean="0"/>
-              <a:t>6/15/23</a:t>
+              <a:t>6/23/23</a:t>
             </a:fld>
             <a:endParaRPr lang="en-US"/>
           </a:p>
@@ -765,7 +849,7 @@
           <a:p>
             <a:fld id="{43DA9A97-6A4D-4190-82F3-1342E7FB8B4E}" type="datetimeFigureOut">
               <a:rPr lang="en-US" smtClean="0"/>
-              <a:t>6/15/23</a:t>
+              <a:t>6/23/23</a:t>
             </a:fld>
             <a:endParaRPr lang="en-US"/>
           </a:p>
@@ -945,7 +1029,7 @@
           <a:p>
             <a:fld id="{43DA9A97-6A4D-4190-82F3-1342E7FB8B4E}" type="datetimeFigureOut">
               <a:rPr lang="en-US" smtClean="0"/>
-              <a:t>6/15/23</a:t>
+              <a:t>6/23/23</a:t>
             </a:fld>
             <a:endParaRPr lang="en-US"/>
           </a:p>
@@ -1115,7 +1199,7 @@
           <a:p>
             <a:fld id="{43DA9A97-6A4D-4190-82F3-1342E7FB8B4E}" type="datetimeFigureOut">
               <a:rPr lang="en-US" smtClean="0"/>
-              <a:t>6/15/23</a:t>
+              <a:t>6/23/23</a:t>
             </a:fld>
             <a:endParaRPr lang="en-US"/>
           </a:p>
@@ -1361,7 +1445,7 @@
           <a:p>
             <a:fld id="{43DA9A97-6A4D-4190-82F3-1342E7FB8B4E}" type="datetimeFigureOut">
               <a:rPr lang="en-US" smtClean="0"/>
-              <a:t>6/15/23</a:t>
+              <a:t>6/23/23</a:t>
             </a:fld>
             <a:endParaRPr lang="en-US"/>
           </a:p>
@@ -1593,7 +1677,7 @@
           <a:p>
             <a:fld id="{43DA9A97-6A4D-4190-82F3-1342E7FB8B4E}" type="datetimeFigureOut">
               <a:rPr lang="en-US" smtClean="0"/>
-              <a:t>6/15/23</a:t>
+              <a:t>6/23/23</a:t>
             </a:fld>
             <a:endParaRPr lang="en-US"/>
           </a:p>
@@ -1960,7 +2044,7 @@
           <a:p>
             <a:fld id="{43DA9A97-6A4D-4190-82F3-1342E7FB8B4E}" type="datetimeFigureOut">
               <a:rPr lang="en-US" smtClean="0"/>
-              <a:t>6/15/23</a:t>
+              <a:t>6/23/23</a:t>
             </a:fld>
             <a:endParaRPr lang="en-US"/>
           </a:p>
@@ -2078,7 +2162,7 @@
           <a:p>
             <a:fld id="{43DA9A97-6A4D-4190-82F3-1342E7FB8B4E}" type="datetimeFigureOut">
               <a:rPr lang="en-US" smtClean="0"/>
-              <a:t>6/15/23</a:t>
+              <a:t>6/23/23</a:t>
             </a:fld>
             <a:endParaRPr lang="en-US"/>
           </a:p>
@@ -2173,7 +2257,7 @@
           <a:p>
             <a:fld id="{43DA9A97-6A4D-4190-82F3-1342E7FB8B4E}" type="datetimeFigureOut">
               <a:rPr lang="en-US" smtClean="0"/>
-              <a:t>6/15/23</a:t>
+              <a:t>6/23/23</a:t>
             </a:fld>
             <a:endParaRPr lang="en-US"/>
           </a:p>
@@ -2450,7 +2534,7 @@
           <a:p>
             <a:fld id="{43DA9A97-6A4D-4190-82F3-1342E7FB8B4E}" type="datetimeFigureOut">
               <a:rPr lang="en-US" smtClean="0"/>
-              <a:t>6/15/23</a:t>
+              <a:t>6/23/23</a:t>
             </a:fld>
             <a:endParaRPr lang="en-US"/>
           </a:p>
@@ -2707,7 +2791,7 @@
           <a:p>
             <a:fld id="{43DA9A97-6A4D-4190-82F3-1342E7FB8B4E}" type="datetimeFigureOut">
               <a:rPr lang="en-US" smtClean="0"/>
-              <a:t>6/15/23</a:t>
+              <a:t>6/23/23</a:t>
             </a:fld>
             <a:endParaRPr lang="en-US"/>
           </a:p>
@@ -2920,7 +3004,7 @@
           <a:p>
             <a:fld id="{43DA9A97-6A4D-4190-82F3-1342E7FB8B4E}" type="datetimeFigureOut">
               <a:rPr lang="en-US" smtClean="0"/>
-              <a:t>6/15/23</a:t>
+              <a:t>6/23/23</a:t>
             </a:fld>
             <a:endParaRPr lang="en-US"/>
           </a:p>
@@ -3327,80 +3411,10 @@
       </p:grpSpPr>
       <p:pic>
         <p:nvPicPr>
-          <p:cNvPr id="3" name="Picture 2" descr="A picture containing text, plot, line, diagram&#10;&#10;Description automatically generated">
+          <p:cNvPr id="4" name="Picture 3" descr="A picture containing text, diagram, plot, line&#10;&#10;Description automatically generated">
             <a:extLst>
               <a:ext uri="{FF2B5EF4-FFF2-40B4-BE49-F238E27FC236}">
-                <a16:creationId xmlns:a16="http://schemas.microsoft.com/office/drawing/2014/main" id="{2AB1FC1A-0D63-C980-C49D-31AEA25F4B78}"/>
-              </a:ext>
-            </a:extLst>
-          </p:cNvPr>
-          <p:cNvPicPr>
-            <a:picLocks noChangeAspect="1"/>
-          </p:cNvPicPr>
-          <p:nvPr/>
-        </p:nvPicPr>
-        <p:blipFill rotWithShape="1">
-          <a:blip r:embed="rId2">
-            <a:extLst>
-              <a:ext uri="{28A0092B-C50C-407E-A947-70E740481C1C}">
-                <a14:useLocalDpi xmlns:a14="http://schemas.microsoft.com/office/drawing/2010/main" val="0"/>
-              </a:ext>
-            </a:extLst>
-          </a:blip>
-          <a:srcRect l="3050" t="10309" r="4185" b="-1277"/>
-          <a:stretch/>
-        </p:blipFill>
-        <p:spPr>
-          <a:xfrm>
-            <a:off x="5087" y="7144"/>
-            <a:ext cx="8923283" cy="5469026"/>
-          </a:xfrm>
-          <a:prstGeom prst="rect">
-            <a:avLst/>
-          </a:prstGeom>
-        </p:spPr>
-      </p:pic>
-      <p:sp>
-        <p:nvSpPr>
-          <p:cNvPr id="8" name="TextBox 7">
-            <a:extLst>
-              <a:ext uri="{FF2B5EF4-FFF2-40B4-BE49-F238E27FC236}">
-                <a16:creationId xmlns:a16="http://schemas.microsoft.com/office/drawing/2014/main" id="{E92B84F0-17B1-456A-94E5-77407AEE023D}"/>
-              </a:ext>
-            </a:extLst>
-          </p:cNvPr>
-          <p:cNvSpPr txBox="1"/>
-          <p:nvPr/>
-        </p:nvSpPr>
-        <p:spPr>
-          <a:xfrm>
-            <a:off x="889294" y="75690"/>
-            <a:ext cx="631904" cy="584775"/>
-          </a:xfrm>
-          <a:prstGeom prst="rect">
-            <a:avLst/>
-          </a:prstGeom>
-          <a:noFill/>
-        </p:spPr>
-        <p:txBody>
-          <a:bodyPr wrap="none" rtlCol="0">
-            <a:spAutoFit/>
-          </a:bodyPr>
-          <a:lstStyle/>
-          <a:p>
-            <a:r>
-              <a:rPr lang="en-US" sz="3200" dirty="0"/>
-              <a:t>(a)</a:t>
-            </a:r>
-          </a:p>
-        </p:txBody>
-      </p:sp>
-      <p:pic>
-        <p:nvPicPr>
-          <p:cNvPr id="11" name="Picture 10" descr="A picture containing text, diagram, line, plot&#10;&#10;Description automatically generated">
-            <a:extLst>
-              <a:ext uri="{FF2B5EF4-FFF2-40B4-BE49-F238E27FC236}">
-                <a16:creationId xmlns:a16="http://schemas.microsoft.com/office/drawing/2014/main" id="{BD5704F4-EDB3-4FFD-D715-F97EBAB10E56}"/>
+                <a16:creationId xmlns:a16="http://schemas.microsoft.com/office/drawing/2014/main" id="{63F684A8-A2C0-4530-448A-BE58D8BD33B7}"/>
               </a:ext>
             </a:extLst>
           </p:cNvPr>
@@ -3417,19 +3431,89 @@
               </a:ext>
             </a:extLst>
           </a:blip>
-          <a:srcRect t="8212" r="6061" b="-484"/>
+          <a:srcRect l="3598" t="12038" r="5262"/>
           <a:stretch/>
         </p:blipFill>
         <p:spPr>
           <a:xfrm>
-            <a:off x="8714059" y="39970"/>
-            <a:ext cx="5787759" cy="5414286"/>
+            <a:off x="125729" y="216104"/>
+            <a:ext cx="8702769" cy="5249582"/>
           </a:xfrm>
           <a:prstGeom prst="rect">
             <a:avLst/>
           </a:prstGeom>
         </p:spPr>
       </p:pic>
+      <p:pic>
+        <p:nvPicPr>
+          <p:cNvPr id="10" name="Picture 9" descr="A picture containing text, diagram, line, plot&#10;&#10;Description automatically generated">
+            <a:extLst>
+              <a:ext uri="{FF2B5EF4-FFF2-40B4-BE49-F238E27FC236}">
+                <a16:creationId xmlns:a16="http://schemas.microsoft.com/office/drawing/2014/main" id="{2A95CBE7-285D-83B4-386C-4699064A8B7E}"/>
+              </a:ext>
+            </a:extLst>
+          </p:cNvPr>
+          <p:cNvPicPr>
+            <a:picLocks noChangeAspect="1"/>
+          </p:cNvPicPr>
+          <p:nvPr/>
+        </p:nvPicPr>
+        <p:blipFill rotWithShape="1">
+          <a:blip r:embed="rId4">
+            <a:extLst>
+              <a:ext uri="{28A0092B-C50C-407E-A947-70E740481C1C}">
+                <a14:useLocalDpi xmlns:a14="http://schemas.microsoft.com/office/drawing/2010/main" val="0"/>
+              </a:ext>
+            </a:extLst>
+          </a:blip>
+          <a:srcRect t="7292" r="5736"/>
+          <a:stretch/>
+        </p:blipFill>
+        <p:spPr>
+          <a:xfrm>
+            <a:off x="8848093" y="35154"/>
+            <a:ext cx="5782307" cy="5416091"/>
+          </a:xfrm>
+          <a:prstGeom prst="rect">
+            <a:avLst/>
+          </a:prstGeom>
+        </p:spPr>
+      </p:pic>
+      <p:sp>
+        <p:nvSpPr>
+          <p:cNvPr id="8" name="TextBox 7">
+            <a:extLst>
+              <a:ext uri="{FF2B5EF4-FFF2-40B4-BE49-F238E27FC236}">
+                <a16:creationId xmlns:a16="http://schemas.microsoft.com/office/drawing/2014/main" id="{E92B84F0-17B1-456A-94E5-77407AEE023D}"/>
+              </a:ext>
+            </a:extLst>
+          </p:cNvPr>
+          <p:cNvSpPr txBox="1"/>
+          <p:nvPr/>
+        </p:nvSpPr>
+        <p:spPr>
+          <a:xfrm>
+            <a:off x="1003594" y="147524"/>
+            <a:ext cx="631904" cy="584775"/>
+          </a:xfrm>
+          <a:prstGeom prst="rect">
+            <a:avLst/>
+          </a:prstGeom>
+          <a:noFill/>
+        </p:spPr>
+        <p:txBody>
+          <a:bodyPr wrap="none" rtlCol="0">
+            <a:spAutoFit/>
+          </a:bodyPr>
+          <a:lstStyle/>
+          <a:p>
+            <a:r>
+              <a:rPr lang="en-US" sz="3200" dirty="0"/>
+              <a:t>(a)</a:t>
+            </a:r>
+          </a:p>
+        </p:txBody>
+      </p:sp>
       <p:sp>
         <p:nvSpPr>
           <p:cNvPr id="9" name="TextBox 8">
@@ -3444,7 +3528,7 @@
         </p:nvSpPr>
         <p:spPr>
           <a:xfrm>
-            <a:off x="9528470" y="230352"/>
+            <a:off x="9734210" y="264642"/>
             <a:ext cx="651140" cy="584775"/>
           </a:xfrm>
           <a:prstGeom prst="rect">

--- a/Diagnostics/local/Figures/paper_figures/Fig2.pptx
+++ b/Diagnostics/local/Figures/paper_figures/Fig2.pptx
@@ -197,7 +197,7 @@
           <a:p>
             <a:fld id="{556A5888-B09A-4C42-A5B1-6FA7AFFAF39F}" type="datetimeFigureOut">
               <a:rPr lang="en-US" smtClean="0"/>
-              <a:t>6/23/23</a:t>
+              <a:t>9/18/2023</a:t>
             </a:fld>
             <a:endParaRPr lang="en-US"/>
           </a:p>
@@ -679,7 +679,7 @@
           <a:p>
             <a:fld id="{43DA9A97-6A4D-4190-82F3-1342E7FB8B4E}" type="datetimeFigureOut">
               <a:rPr lang="en-US" smtClean="0"/>
-              <a:t>6/23/23</a:t>
+              <a:t>9/18/2023</a:t>
             </a:fld>
             <a:endParaRPr lang="en-US"/>
           </a:p>
@@ -849,7 +849,7 @@
           <a:p>
             <a:fld id="{43DA9A97-6A4D-4190-82F3-1342E7FB8B4E}" type="datetimeFigureOut">
               <a:rPr lang="en-US" smtClean="0"/>
-              <a:t>6/23/23</a:t>
+              <a:t>9/18/2023</a:t>
             </a:fld>
             <a:endParaRPr lang="en-US"/>
           </a:p>
@@ -1029,7 +1029,7 @@
           <a:p>
             <a:fld id="{43DA9A97-6A4D-4190-82F3-1342E7FB8B4E}" type="datetimeFigureOut">
               <a:rPr lang="en-US" smtClean="0"/>
-              <a:t>6/23/23</a:t>
+              <a:t>9/18/2023</a:t>
             </a:fld>
             <a:endParaRPr lang="en-US"/>
           </a:p>
@@ -1199,7 +1199,7 @@
           <a:p>
             <a:fld id="{43DA9A97-6A4D-4190-82F3-1342E7FB8B4E}" type="datetimeFigureOut">
               <a:rPr lang="en-US" smtClean="0"/>
-              <a:t>6/23/23</a:t>
+              <a:t>9/18/2023</a:t>
             </a:fld>
             <a:endParaRPr lang="en-US"/>
           </a:p>
@@ -1445,7 +1445,7 @@
           <a:p>
             <a:fld id="{43DA9A97-6A4D-4190-82F3-1342E7FB8B4E}" type="datetimeFigureOut">
               <a:rPr lang="en-US" smtClean="0"/>
-              <a:t>6/23/23</a:t>
+              <a:t>9/18/2023</a:t>
             </a:fld>
             <a:endParaRPr lang="en-US"/>
           </a:p>
@@ -1677,7 +1677,7 @@
           <a:p>
             <a:fld id="{43DA9A97-6A4D-4190-82F3-1342E7FB8B4E}" type="datetimeFigureOut">
               <a:rPr lang="en-US" smtClean="0"/>
-              <a:t>6/23/23</a:t>
+              <a:t>9/18/2023</a:t>
             </a:fld>
             <a:endParaRPr lang="en-US"/>
           </a:p>
@@ -2044,7 +2044,7 @@
           <a:p>
             <a:fld id="{43DA9A97-6A4D-4190-82F3-1342E7FB8B4E}" type="datetimeFigureOut">
               <a:rPr lang="en-US" smtClean="0"/>
-              <a:t>6/23/23</a:t>
+              <a:t>9/18/2023</a:t>
             </a:fld>
             <a:endParaRPr lang="en-US"/>
           </a:p>
@@ -2162,7 +2162,7 @@
           <a:p>
             <a:fld id="{43DA9A97-6A4D-4190-82F3-1342E7FB8B4E}" type="datetimeFigureOut">
               <a:rPr lang="en-US" smtClean="0"/>
-              <a:t>6/23/23</a:t>
+              <a:t>9/18/2023</a:t>
             </a:fld>
             <a:endParaRPr lang="en-US"/>
           </a:p>
@@ -2257,7 +2257,7 @@
           <a:p>
             <a:fld id="{43DA9A97-6A4D-4190-82F3-1342E7FB8B4E}" type="datetimeFigureOut">
               <a:rPr lang="en-US" smtClean="0"/>
-              <a:t>6/23/23</a:t>
+              <a:t>9/18/2023</a:t>
             </a:fld>
             <a:endParaRPr lang="en-US"/>
           </a:p>
@@ -2534,7 +2534,7 @@
           <a:p>
             <a:fld id="{43DA9A97-6A4D-4190-82F3-1342E7FB8B4E}" type="datetimeFigureOut">
               <a:rPr lang="en-US" smtClean="0"/>
-              <a:t>6/23/23</a:t>
+              <a:t>9/18/2023</a:t>
             </a:fld>
             <a:endParaRPr lang="en-US"/>
           </a:p>
@@ -2791,7 +2791,7 @@
           <a:p>
             <a:fld id="{43DA9A97-6A4D-4190-82F3-1342E7FB8B4E}" type="datetimeFigureOut">
               <a:rPr lang="en-US" smtClean="0"/>
-              <a:t>6/23/23</a:t>
+              <a:t>9/18/2023</a:t>
             </a:fld>
             <a:endParaRPr lang="en-US"/>
           </a:p>
@@ -3004,7 +3004,7 @@
           <a:p>
             <a:fld id="{43DA9A97-6A4D-4190-82F3-1342E7FB8B4E}" type="datetimeFigureOut">
               <a:rPr lang="en-US" smtClean="0"/>
-              <a:t>6/23/23</a:t>
+              <a:t>9/18/2023</a:t>
             </a:fld>
             <a:endParaRPr lang="en-US"/>
           </a:p>
@@ -3411,10 +3411,10 @@
       </p:grpSpPr>
       <p:pic>
         <p:nvPicPr>
-          <p:cNvPr id="4" name="Picture 3" descr="A picture containing text, diagram, plot, line&#10;&#10;Description automatically generated">
+          <p:cNvPr id="4" name="Picture 3">
             <a:extLst>
               <a:ext uri="{FF2B5EF4-FFF2-40B4-BE49-F238E27FC236}">
-                <a16:creationId xmlns:a16="http://schemas.microsoft.com/office/drawing/2014/main" id="{63F684A8-A2C0-4530-448A-BE58D8BD33B7}"/>
+                <a16:creationId xmlns:a16="http://schemas.microsoft.com/office/drawing/2014/main" id="{954151E6-81C3-47B2-903B-41B6AFAE7687}"/>
               </a:ext>
             </a:extLst>
           </p:cNvPr>
@@ -3431,13 +3431,13 @@
               </a:ext>
             </a:extLst>
           </a:blip>
-          <a:srcRect l="3598" t="12038" r="5262"/>
+          <a:srcRect l="3993" t="10956" r="6211"/>
           <a:stretch/>
         </p:blipFill>
         <p:spPr>
           <a:xfrm>
-            <a:off x="125729" y="216104"/>
-            <a:ext cx="8702769" cy="5249582"/>
+            <a:off x="16934" y="147524"/>
+            <a:ext cx="8602133" cy="5307953"/>
           </a:xfrm>
           <a:prstGeom prst="rect">
             <a:avLst/>
@@ -3446,10 +3446,10 @@
       </p:pic>
       <p:pic>
         <p:nvPicPr>
-          <p:cNvPr id="10" name="Picture 9" descr="A picture containing text, diagram, line, plot&#10;&#10;Description automatically generated">
+          <p:cNvPr id="7" name="Picture 6">
             <a:extLst>
               <a:ext uri="{FF2B5EF4-FFF2-40B4-BE49-F238E27FC236}">
-                <a16:creationId xmlns:a16="http://schemas.microsoft.com/office/drawing/2014/main" id="{2A95CBE7-285D-83B4-386C-4699064A8B7E}"/>
+                <a16:creationId xmlns:a16="http://schemas.microsoft.com/office/drawing/2014/main" id="{FEBD0215-78E0-4917-ADFA-BB72C3A8EFA7}"/>
               </a:ext>
             </a:extLst>
           </p:cNvPr>
@@ -3466,13 +3466,13 @@
               </a:ext>
             </a:extLst>
           </a:blip>
-          <a:srcRect t="7292" r="5736"/>
+          <a:srcRect t="6904" r="8701"/>
           <a:stretch/>
         </p:blipFill>
         <p:spPr>
           <a:xfrm>
-            <a:off x="8848093" y="35154"/>
-            <a:ext cx="5782307" cy="5416091"/>
+            <a:off x="8915724" y="46504"/>
+            <a:ext cx="5553810" cy="5393391"/>
           </a:xfrm>
           <a:prstGeom prst="rect">
             <a:avLst/>

--- a/Diagnostics/local/Figures/paper_figures/Fig2.pptx
+++ b/Diagnostics/local/Figures/paper_figures/Fig2.pptx
@@ -197,7 +197,7 @@
           <a:p>
             <a:fld id="{556A5888-B09A-4C42-A5B1-6FA7AFFAF39F}" type="datetimeFigureOut">
               <a:rPr lang="en-US" smtClean="0"/>
-              <a:t>9/18/2023</a:t>
+              <a:t>9/20/2023</a:t>
             </a:fld>
             <a:endParaRPr lang="en-US"/>
           </a:p>
@@ -679,7 +679,7 @@
           <a:p>
             <a:fld id="{43DA9A97-6A4D-4190-82F3-1342E7FB8B4E}" type="datetimeFigureOut">
               <a:rPr lang="en-US" smtClean="0"/>
-              <a:t>9/18/2023</a:t>
+              <a:t>9/20/2023</a:t>
             </a:fld>
             <a:endParaRPr lang="en-US"/>
           </a:p>
@@ -849,7 +849,7 @@
           <a:p>
             <a:fld id="{43DA9A97-6A4D-4190-82F3-1342E7FB8B4E}" type="datetimeFigureOut">
               <a:rPr lang="en-US" smtClean="0"/>
-              <a:t>9/18/2023</a:t>
+              <a:t>9/20/2023</a:t>
             </a:fld>
             <a:endParaRPr lang="en-US"/>
           </a:p>
@@ -1029,7 +1029,7 @@
           <a:p>
             <a:fld id="{43DA9A97-6A4D-4190-82F3-1342E7FB8B4E}" type="datetimeFigureOut">
               <a:rPr lang="en-US" smtClean="0"/>
-              <a:t>9/18/2023</a:t>
+              <a:t>9/20/2023</a:t>
             </a:fld>
             <a:endParaRPr lang="en-US"/>
           </a:p>
@@ -1199,7 +1199,7 @@
           <a:p>
             <a:fld id="{43DA9A97-6A4D-4190-82F3-1342E7FB8B4E}" type="datetimeFigureOut">
               <a:rPr lang="en-US" smtClean="0"/>
-              <a:t>9/18/2023</a:t>
+              <a:t>9/20/2023</a:t>
             </a:fld>
             <a:endParaRPr lang="en-US"/>
           </a:p>
@@ -1445,7 +1445,7 @@
           <a:p>
             <a:fld id="{43DA9A97-6A4D-4190-82F3-1342E7FB8B4E}" type="datetimeFigureOut">
               <a:rPr lang="en-US" smtClean="0"/>
-              <a:t>9/18/2023</a:t>
+              <a:t>9/20/2023</a:t>
             </a:fld>
             <a:endParaRPr lang="en-US"/>
           </a:p>
@@ -1677,7 +1677,7 @@
           <a:p>
             <a:fld id="{43DA9A97-6A4D-4190-82F3-1342E7FB8B4E}" type="datetimeFigureOut">
               <a:rPr lang="en-US" smtClean="0"/>
-              <a:t>9/18/2023</a:t>
+              <a:t>9/20/2023</a:t>
             </a:fld>
             <a:endParaRPr lang="en-US"/>
           </a:p>
@@ -2044,7 +2044,7 @@
           <a:p>
             <a:fld id="{43DA9A97-6A4D-4190-82F3-1342E7FB8B4E}" type="datetimeFigureOut">
               <a:rPr lang="en-US" smtClean="0"/>
-              <a:t>9/18/2023</a:t>
+              <a:t>9/20/2023</a:t>
             </a:fld>
             <a:endParaRPr lang="en-US"/>
           </a:p>
@@ -2162,7 +2162,7 @@
           <a:p>
             <a:fld id="{43DA9A97-6A4D-4190-82F3-1342E7FB8B4E}" type="datetimeFigureOut">
               <a:rPr lang="en-US" smtClean="0"/>
-              <a:t>9/18/2023</a:t>
+              <a:t>9/20/2023</a:t>
             </a:fld>
             <a:endParaRPr lang="en-US"/>
           </a:p>
@@ -2257,7 +2257,7 @@
           <a:p>
             <a:fld id="{43DA9A97-6A4D-4190-82F3-1342E7FB8B4E}" type="datetimeFigureOut">
               <a:rPr lang="en-US" smtClean="0"/>
-              <a:t>9/18/2023</a:t>
+              <a:t>9/20/2023</a:t>
             </a:fld>
             <a:endParaRPr lang="en-US"/>
           </a:p>
@@ -2534,7 +2534,7 @@
           <a:p>
             <a:fld id="{43DA9A97-6A4D-4190-82F3-1342E7FB8B4E}" type="datetimeFigureOut">
               <a:rPr lang="en-US" smtClean="0"/>
-              <a:t>9/18/2023</a:t>
+              <a:t>9/20/2023</a:t>
             </a:fld>
             <a:endParaRPr lang="en-US"/>
           </a:p>
@@ -2791,7 +2791,7 @@
           <a:p>
             <a:fld id="{43DA9A97-6A4D-4190-82F3-1342E7FB8B4E}" type="datetimeFigureOut">
               <a:rPr lang="en-US" smtClean="0"/>
-              <a:t>9/18/2023</a:t>
+              <a:t>9/20/2023</a:t>
             </a:fld>
             <a:endParaRPr lang="en-US"/>
           </a:p>
@@ -3004,7 +3004,7 @@
           <a:p>
             <a:fld id="{43DA9A97-6A4D-4190-82F3-1342E7FB8B4E}" type="datetimeFigureOut">
               <a:rPr lang="en-US" smtClean="0"/>
-              <a:t>9/18/2023</a:t>
+              <a:t>9/20/2023</a:t>
             </a:fld>
             <a:endParaRPr lang="en-US"/>
           </a:p>
@@ -3411,10 +3411,10 @@
       </p:grpSpPr>
       <p:pic>
         <p:nvPicPr>
-          <p:cNvPr id="4" name="Picture 3">
+          <p:cNvPr id="13" name="Picture 12">
             <a:extLst>
               <a:ext uri="{FF2B5EF4-FFF2-40B4-BE49-F238E27FC236}">
-                <a16:creationId xmlns:a16="http://schemas.microsoft.com/office/drawing/2014/main" id="{954151E6-81C3-47B2-903B-41B6AFAE7687}"/>
+                <a16:creationId xmlns:a16="http://schemas.microsoft.com/office/drawing/2014/main" id="{62F24AAF-D8F8-4FAD-9893-384CD77B92FD}"/>
               </a:ext>
             </a:extLst>
           </p:cNvPr>
@@ -3431,13 +3431,13 @@
               </a:ext>
             </a:extLst>
           </a:blip>
-          <a:srcRect l="3993" t="10956" r="6211"/>
+          <a:srcRect l="4046" t="11228" r="6351"/>
           <a:stretch/>
         </p:blipFill>
         <p:spPr>
           <a:xfrm>
-            <a:off x="16934" y="147524"/>
-            <a:ext cx="8602133" cy="5307953"/>
+            <a:off x="80793" y="121660"/>
+            <a:ext cx="8639874" cy="5349834"/>
           </a:xfrm>
           <a:prstGeom prst="rect">
             <a:avLst/>
@@ -3446,10 +3446,10 @@
       </p:pic>
       <p:pic>
         <p:nvPicPr>
-          <p:cNvPr id="7" name="Picture 6">
+          <p:cNvPr id="11" name="Picture 10">
             <a:extLst>
               <a:ext uri="{FF2B5EF4-FFF2-40B4-BE49-F238E27FC236}">
-                <a16:creationId xmlns:a16="http://schemas.microsoft.com/office/drawing/2014/main" id="{FEBD0215-78E0-4917-ADFA-BB72C3A8EFA7}"/>
+                <a16:creationId xmlns:a16="http://schemas.microsoft.com/office/drawing/2014/main" id="{D081A1D2-9E10-4536-8A9C-EAB1F61927D5}"/>
               </a:ext>
             </a:extLst>
           </p:cNvPr>
@@ -3466,13 +3466,13 @@
               </a:ext>
             </a:extLst>
           </a:blip>
-          <a:srcRect t="6904" r="8701"/>
+          <a:srcRect t="7946" r="9289"/>
           <a:stretch/>
         </p:blipFill>
         <p:spPr>
           <a:xfrm>
-            <a:off x="8915724" y="46504"/>
-            <a:ext cx="5553810" cy="5393391"/>
+            <a:off x="8888307" y="0"/>
+            <a:ext cx="5661300" cy="5471494"/>
           </a:xfrm>
           <a:prstGeom prst="rect">
             <a:avLst/>
